--- a/04-CrMagOpt/Pictures/MagOptv2.pptx
+++ b/04-CrMagOpt/Pictures/MagOptv2.pptx
@@ -1,19 +1,114 @@
 
 <file path=ppt/presentation.xml><?xml version="1.0" encoding="utf-8"?>
-<p:presentation xmlns:a="http://schemas.openxmlformats.org/drawingml/2006/main" xmlns:p="http://schemas.openxmlformats.org/presentationml/2006/main" xmlns:r="http://schemas.openxmlformats.org/officeDocument/2006/relationships">
+<p:presentation xmlns:a="http://schemas.openxmlformats.org/drawingml/2006/main" xmlns:r="http://schemas.openxmlformats.org/officeDocument/2006/relationships" xmlns:p="http://schemas.openxmlformats.org/presentationml/2006/main">
   <p:sldMasterIdLst>
-    <p:sldMasterId id="2147483648" r:id="rId2"/>
+    <p:sldMasterId id="2147483648" r:id="rId1"/>
   </p:sldMasterIdLst>
   <p:sldIdLst>
-    <p:sldId id="256" r:id="rId3"/>
+    <p:sldId id="256" r:id="rId2"/>
   </p:sldIdLst>
-  <p:sldSz cx="7561262" cy="7964487"/>
-  <p:notesSz cx="7559675" cy="10691812"/>
+  <p:sldSz cx="7021513" cy="7964488"/>
+  <p:notesSz cx="7559675" cy="10691813"/>
+  <p:defaultTextStyle>
+    <a:defPPr>
+      <a:defRPr lang="fr-FR"/>
+    </a:defPPr>
+    <a:lvl1pPr marL="0" algn="l" defTabSz="914400" rtl="0" eaLnBrk="1" latinLnBrk="0" hangingPunct="1">
+      <a:defRPr sz="1800" kern="1200">
+        <a:solidFill>
+          <a:schemeClr val="tx1"/>
+        </a:solidFill>
+        <a:latin typeface="+mn-lt"/>
+        <a:ea typeface="+mn-ea"/>
+        <a:cs typeface="+mn-cs"/>
+      </a:defRPr>
+    </a:lvl1pPr>
+    <a:lvl2pPr marL="457200" algn="l" defTabSz="914400" rtl="0" eaLnBrk="1" latinLnBrk="0" hangingPunct="1">
+      <a:defRPr sz="1800" kern="1200">
+        <a:solidFill>
+          <a:schemeClr val="tx1"/>
+        </a:solidFill>
+        <a:latin typeface="+mn-lt"/>
+        <a:ea typeface="+mn-ea"/>
+        <a:cs typeface="+mn-cs"/>
+      </a:defRPr>
+    </a:lvl2pPr>
+    <a:lvl3pPr marL="914400" algn="l" defTabSz="914400" rtl="0" eaLnBrk="1" latinLnBrk="0" hangingPunct="1">
+      <a:defRPr sz="1800" kern="1200">
+        <a:solidFill>
+          <a:schemeClr val="tx1"/>
+        </a:solidFill>
+        <a:latin typeface="+mn-lt"/>
+        <a:ea typeface="+mn-ea"/>
+        <a:cs typeface="+mn-cs"/>
+      </a:defRPr>
+    </a:lvl3pPr>
+    <a:lvl4pPr marL="1371600" algn="l" defTabSz="914400" rtl="0" eaLnBrk="1" latinLnBrk="0" hangingPunct="1">
+      <a:defRPr sz="1800" kern="1200">
+        <a:solidFill>
+          <a:schemeClr val="tx1"/>
+        </a:solidFill>
+        <a:latin typeface="+mn-lt"/>
+        <a:ea typeface="+mn-ea"/>
+        <a:cs typeface="+mn-cs"/>
+      </a:defRPr>
+    </a:lvl4pPr>
+    <a:lvl5pPr marL="1828800" algn="l" defTabSz="914400" rtl="0" eaLnBrk="1" latinLnBrk="0" hangingPunct="1">
+      <a:defRPr sz="1800" kern="1200">
+        <a:solidFill>
+          <a:schemeClr val="tx1"/>
+        </a:solidFill>
+        <a:latin typeface="+mn-lt"/>
+        <a:ea typeface="+mn-ea"/>
+        <a:cs typeface="+mn-cs"/>
+      </a:defRPr>
+    </a:lvl5pPr>
+    <a:lvl6pPr marL="2286000" algn="l" defTabSz="914400" rtl="0" eaLnBrk="1" latinLnBrk="0" hangingPunct="1">
+      <a:defRPr sz="1800" kern="1200">
+        <a:solidFill>
+          <a:schemeClr val="tx1"/>
+        </a:solidFill>
+        <a:latin typeface="+mn-lt"/>
+        <a:ea typeface="+mn-ea"/>
+        <a:cs typeface="+mn-cs"/>
+      </a:defRPr>
+    </a:lvl6pPr>
+    <a:lvl7pPr marL="2743200" algn="l" defTabSz="914400" rtl="0" eaLnBrk="1" latinLnBrk="0" hangingPunct="1">
+      <a:defRPr sz="1800" kern="1200">
+        <a:solidFill>
+          <a:schemeClr val="tx1"/>
+        </a:solidFill>
+        <a:latin typeface="+mn-lt"/>
+        <a:ea typeface="+mn-ea"/>
+        <a:cs typeface="+mn-cs"/>
+      </a:defRPr>
+    </a:lvl7pPr>
+    <a:lvl8pPr marL="3200400" algn="l" defTabSz="914400" rtl="0" eaLnBrk="1" latinLnBrk="0" hangingPunct="1">
+      <a:defRPr sz="1800" kern="1200">
+        <a:solidFill>
+          <a:schemeClr val="tx1"/>
+        </a:solidFill>
+        <a:latin typeface="+mn-lt"/>
+        <a:ea typeface="+mn-ea"/>
+        <a:cs typeface="+mn-cs"/>
+      </a:defRPr>
+    </a:lvl8pPr>
+    <a:lvl9pPr marL="3657600" algn="l" defTabSz="914400" rtl="0" eaLnBrk="1" latinLnBrk="0" hangingPunct="1">
+      <a:defRPr sz="1800" kern="1200">
+        <a:solidFill>
+          <a:schemeClr val="tx1"/>
+        </a:solidFill>
+        <a:latin typeface="+mn-lt"/>
+        <a:ea typeface="+mn-ea"/>
+        <a:cs typeface="+mn-cs"/>
+      </a:defRPr>
+    </a:lvl9pPr>
+  </p:defaultTextStyle>
 </p:presentation>
 </file>
 
 <file path=ppt/slideLayouts/slideLayout1.xml><?xml version="1.0" encoding="utf-8"?>
-<p:sldLayout xmlns:a="http://schemas.openxmlformats.org/drawingml/2006/main" xmlns:p="http://schemas.openxmlformats.org/presentationml/2006/main" xmlns:r="http://schemas.openxmlformats.org/officeDocument/2006/relationships" type="blank" preserve="1">
+<p:sldLayout xmlns:a="http://schemas.openxmlformats.org/drawingml/2006/main" xmlns:r="http://schemas.openxmlformats.org/officeDocument/2006/relationships" xmlns:p="http://schemas.openxmlformats.org/presentationml/2006/main" type="blank" preserve="1">
   <p:cSld name="Blank Slide">
     <p:spTree>
       <p:nvGrpSpPr>
@@ -31,11 +126,14 @@
       </p:grpSpPr>
     </p:spTree>
   </p:cSld>
+  <p:clrMapOvr>
+    <a:masterClrMapping/>
+  </p:clrMapOvr>
 </p:sldLayout>
 </file>
 
 <file path=ppt/slideLayouts/slideLayout10.xml><?xml version="1.0" encoding="utf-8"?>
-<p:sldLayout xmlns:a="http://schemas.openxmlformats.org/drawingml/2006/main" xmlns:p="http://schemas.openxmlformats.org/presentationml/2006/main" xmlns:r="http://schemas.openxmlformats.org/officeDocument/2006/relationships" type="objOverTx" preserve="1">
+<p:sldLayout xmlns:a="http://schemas.openxmlformats.org/drawingml/2006/main" xmlns:r="http://schemas.openxmlformats.org/officeDocument/2006/relationships" xmlns:p="http://schemas.openxmlformats.org/presentationml/2006/main" type="objOverTx" preserve="1">
   <p:cSld name="Title, Content over Content">
     <p:spTree>
       <p:nvGrpSpPr>
@@ -63,15 +161,16 @@
         </p:nvSpPr>
         <p:spPr>
           <a:xfrm>
-            <a:off x="567000" y="2474280"/>
-            <a:ext cx="6426720" cy="1707120"/>
-          </a:xfrm>
-          <a:prstGeom prst="rect">
-            <a:avLst/>
-          </a:prstGeom>
-        </p:spPr>
-        <p:txBody>
-          <a:bodyPr lIns="0" rIns="0" tIns="0" bIns="0" anchor="ctr"/>
+            <a:off x="526525" y="2474280"/>
+            <a:ext cx="5967958" cy="1707120"/>
+          </a:xfrm>
+          <a:prstGeom prst="rect">
+            <a:avLst/>
+          </a:prstGeom>
+        </p:spPr>
+        <p:txBody>
+          <a:bodyPr lIns="0" tIns="0" rIns="0" bIns="0" anchor="ctr"/>
+          <a:lstStyle/>
           <a:p>
             <a:endParaRPr/>
           </a:p>
@@ -89,15 +188,16 @@
         </p:nvSpPr>
         <p:spPr>
           <a:xfrm>
-            <a:off x="378000" y="1863720"/>
-            <a:ext cx="6804720" cy="2202840"/>
-          </a:xfrm>
-          <a:prstGeom prst="rect">
-            <a:avLst/>
-          </a:prstGeom>
-        </p:spPr>
-        <p:txBody>
-          <a:bodyPr lIns="0" rIns="0" tIns="0" bIns="0"/>
+            <a:off x="351017" y="1863720"/>
+            <a:ext cx="6318975" cy="2202840"/>
+          </a:xfrm>
+          <a:prstGeom prst="rect">
+            <a:avLst/>
+          </a:prstGeom>
+        </p:spPr>
+        <p:txBody>
+          <a:bodyPr lIns="0" tIns="0" rIns="0" bIns="0"/>
+          <a:lstStyle/>
           <a:p>
             <a:endParaRPr/>
           </a:p>
@@ -115,15 +215,16 @@
         </p:nvSpPr>
         <p:spPr>
           <a:xfrm>
-            <a:off x="378000" y="4276080"/>
-            <a:ext cx="6804720" cy="2202840"/>
-          </a:xfrm>
-          <a:prstGeom prst="rect">
-            <a:avLst/>
-          </a:prstGeom>
-        </p:spPr>
-        <p:txBody>
-          <a:bodyPr lIns="0" rIns="0" tIns="0" bIns="0"/>
+            <a:off x="351017" y="4276080"/>
+            <a:ext cx="6318975" cy="2202840"/>
+          </a:xfrm>
+          <a:prstGeom prst="rect">
+            <a:avLst/>
+          </a:prstGeom>
+        </p:spPr>
+        <p:txBody>
+          <a:bodyPr lIns="0" tIns="0" rIns="0" bIns="0"/>
+          <a:lstStyle/>
           <a:p>
             <a:endParaRPr/>
           </a:p>
@@ -131,11 +232,14 @@
       </p:sp>
     </p:spTree>
   </p:cSld>
+  <p:clrMapOvr>
+    <a:masterClrMapping/>
+  </p:clrMapOvr>
 </p:sldLayout>
 </file>
 
 <file path=ppt/slideLayouts/slideLayout11.xml><?xml version="1.0" encoding="utf-8"?>
-<p:sldLayout xmlns:a="http://schemas.openxmlformats.org/drawingml/2006/main" xmlns:p="http://schemas.openxmlformats.org/presentationml/2006/main" xmlns:r="http://schemas.openxmlformats.org/officeDocument/2006/relationships" type="fourObj" preserve="1">
+<p:sldLayout xmlns:a="http://schemas.openxmlformats.org/drawingml/2006/main" xmlns:r="http://schemas.openxmlformats.org/officeDocument/2006/relationships" xmlns:p="http://schemas.openxmlformats.org/presentationml/2006/main" type="fourObj" preserve="1">
   <p:cSld name="Title, 4 Content">
     <p:spTree>
       <p:nvGrpSpPr>
@@ -163,15 +267,16 @@
         </p:nvSpPr>
         <p:spPr>
           <a:xfrm>
-            <a:off x="567000" y="2474280"/>
-            <a:ext cx="6426720" cy="1707120"/>
-          </a:xfrm>
-          <a:prstGeom prst="rect">
-            <a:avLst/>
-          </a:prstGeom>
-        </p:spPr>
-        <p:txBody>
-          <a:bodyPr lIns="0" rIns="0" tIns="0" bIns="0" anchor="ctr"/>
+            <a:off x="526525" y="2474280"/>
+            <a:ext cx="5967958" cy="1707120"/>
+          </a:xfrm>
+          <a:prstGeom prst="rect">
+            <a:avLst/>
+          </a:prstGeom>
+        </p:spPr>
+        <p:txBody>
+          <a:bodyPr lIns="0" tIns="0" rIns="0" bIns="0" anchor="ctr"/>
+          <a:lstStyle/>
           <a:p>
             <a:endParaRPr/>
           </a:p>
@@ -189,15 +294,16 @@
         </p:nvSpPr>
         <p:spPr>
           <a:xfrm>
-            <a:off x="378000" y="1863720"/>
-            <a:ext cx="3320640" cy="2202840"/>
-          </a:xfrm>
-          <a:prstGeom prst="rect">
-            <a:avLst/>
-          </a:prstGeom>
-        </p:spPr>
-        <p:txBody>
-          <a:bodyPr lIns="0" rIns="0" tIns="0" bIns="0"/>
+            <a:off x="351017" y="1863720"/>
+            <a:ext cx="3083601" cy="2202840"/>
+          </a:xfrm>
+          <a:prstGeom prst="rect">
+            <a:avLst/>
+          </a:prstGeom>
+        </p:spPr>
+        <p:txBody>
+          <a:bodyPr lIns="0" tIns="0" rIns="0" bIns="0"/>
+          <a:lstStyle/>
           <a:p>
             <a:endParaRPr/>
           </a:p>
@@ -215,15 +321,16 @@
         </p:nvSpPr>
         <p:spPr>
           <a:xfrm>
-            <a:off x="3864960" y="1863720"/>
-            <a:ext cx="3320640" cy="2202840"/>
-          </a:xfrm>
-          <a:prstGeom prst="rect">
-            <a:avLst/>
-          </a:prstGeom>
-        </p:spPr>
-        <p:txBody>
-          <a:bodyPr lIns="0" rIns="0" tIns="0" bIns="0"/>
+            <a:off x="3589065" y="1863720"/>
+            <a:ext cx="3083601" cy="2202840"/>
+          </a:xfrm>
+          <a:prstGeom prst="rect">
+            <a:avLst/>
+          </a:prstGeom>
+        </p:spPr>
+        <p:txBody>
+          <a:bodyPr lIns="0" tIns="0" rIns="0" bIns="0"/>
+          <a:lstStyle/>
           <a:p>
             <a:endParaRPr/>
           </a:p>
@@ -241,15 +348,16 @@
         </p:nvSpPr>
         <p:spPr>
           <a:xfrm>
-            <a:off x="3864960" y="4276080"/>
-            <a:ext cx="3320640" cy="2202840"/>
-          </a:xfrm>
-          <a:prstGeom prst="rect">
-            <a:avLst/>
-          </a:prstGeom>
-        </p:spPr>
-        <p:txBody>
-          <a:bodyPr lIns="0" rIns="0" tIns="0" bIns="0"/>
+            <a:off x="3589065" y="4276080"/>
+            <a:ext cx="3083601" cy="2202840"/>
+          </a:xfrm>
+          <a:prstGeom prst="rect">
+            <a:avLst/>
+          </a:prstGeom>
+        </p:spPr>
+        <p:txBody>
+          <a:bodyPr lIns="0" tIns="0" rIns="0" bIns="0"/>
+          <a:lstStyle/>
           <a:p>
             <a:endParaRPr/>
           </a:p>
@@ -267,15 +375,16 @@
         </p:nvSpPr>
         <p:spPr>
           <a:xfrm>
-            <a:off x="378000" y="4276080"/>
-            <a:ext cx="3320640" cy="2202840"/>
-          </a:xfrm>
-          <a:prstGeom prst="rect">
-            <a:avLst/>
-          </a:prstGeom>
-        </p:spPr>
-        <p:txBody>
-          <a:bodyPr lIns="0" rIns="0" tIns="0" bIns="0"/>
+            <a:off x="351017" y="4276080"/>
+            <a:ext cx="3083601" cy="2202840"/>
+          </a:xfrm>
+          <a:prstGeom prst="rect">
+            <a:avLst/>
+          </a:prstGeom>
+        </p:spPr>
+        <p:txBody>
+          <a:bodyPr lIns="0" tIns="0" rIns="0" bIns="0"/>
+          <a:lstStyle/>
           <a:p>
             <a:endParaRPr/>
           </a:p>
@@ -283,11 +392,14 @@
       </p:sp>
     </p:spTree>
   </p:cSld>
+  <p:clrMapOvr>
+    <a:masterClrMapping/>
+  </p:clrMapOvr>
 </p:sldLayout>
 </file>
 
 <file path=ppt/slideLayouts/slideLayout12.xml><?xml version="1.0" encoding="utf-8"?>
-<p:sldLayout xmlns:a="http://schemas.openxmlformats.org/drawingml/2006/main" xmlns:p="http://schemas.openxmlformats.org/presentationml/2006/main" xmlns:r="http://schemas.openxmlformats.org/officeDocument/2006/relationships" type="blank" preserve="1">
+<p:sldLayout xmlns:a="http://schemas.openxmlformats.org/drawingml/2006/main" xmlns:r="http://schemas.openxmlformats.org/officeDocument/2006/relationships" xmlns:p="http://schemas.openxmlformats.org/presentationml/2006/main" type="blank" preserve="1">
   <p:cSld name="Title, 6 Content">
     <p:spTree>
       <p:nvGrpSpPr>
@@ -315,15 +427,16 @@
         </p:nvSpPr>
         <p:spPr>
           <a:xfrm>
-            <a:off x="567000" y="2474280"/>
-            <a:ext cx="6426720" cy="1707120"/>
-          </a:xfrm>
-          <a:prstGeom prst="rect">
-            <a:avLst/>
-          </a:prstGeom>
-        </p:spPr>
-        <p:txBody>
-          <a:bodyPr lIns="0" rIns="0" tIns="0" bIns="0" anchor="ctr"/>
+            <a:off x="526525" y="2474280"/>
+            <a:ext cx="5967958" cy="1707120"/>
+          </a:xfrm>
+          <a:prstGeom prst="rect">
+            <a:avLst/>
+          </a:prstGeom>
+        </p:spPr>
+        <p:txBody>
+          <a:bodyPr lIns="0" tIns="0" rIns="0" bIns="0" anchor="ctr"/>
+          <a:lstStyle/>
           <a:p>
             <a:endParaRPr/>
           </a:p>
@@ -341,15 +454,16 @@
         </p:nvSpPr>
         <p:spPr>
           <a:xfrm>
-            <a:off x="378000" y="1863720"/>
-            <a:ext cx="6804720" cy="4618800"/>
-          </a:xfrm>
-          <a:prstGeom prst="rect">
-            <a:avLst/>
-          </a:prstGeom>
-        </p:spPr>
-        <p:txBody>
-          <a:bodyPr lIns="0" rIns="0" tIns="0" bIns="0"/>
+            <a:off x="351017" y="1863720"/>
+            <a:ext cx="6318975" cy="4618800"/>
+          </a:xfrm>
+          <a:prstGeom prst="rect">
+            <a:avLst/>
+          </a:prstGeom>
+        </p:spPr>
+        <p:txBody>
+          <a:bodyPr lIns="0" tIns="0" rIns="0" bIns="0"/>
+          <a:lstStyle/>
           <a:p>
             <a:endParaRPr/>
           </a:p>
@@ -367,15 +481,16 @@
         </p:nvSpPr>
         <p:spPr>
           <a:xfrm>
-            <a:off x="378000" y="1863720"/>
-            <a:ext cx="6804720" cy="4618800"/>
-          </a:xfrm>
-          <a:prstGeom prst="rect">
-            <a:avLst/>
-          </a:prstGeom>
-        </p:spPr>
-        <p:txBody>
-          <a:bodyPr lIns="0" rIns="0" tIns="0" bIns="0"/>
+            <a:off x="351017" y="1863720"/>
+            <a:ext cx="6318975" cy="4618800"/>
+          </a:xfrm>
+          <a:prstGeom prst="rect">
+            <a:avLst/>
+          </a:prstGeom>
+        </p:spPr>
+        <p:txBody>
+          <a:bodyPr lIns="0" tIns="0" rIns="0" bIns="0"/>
+          <a:lstStyle/>
           <a:p>
             <a:endParaRPr/>
           </a:p>
@@ -383,7 +498,7 @@
       </p:sp>
       <p:pic>
         <p:nvPicPr>
-          <p:cNvPr id="37" name="" descr=""/>
+          <p:cNvPr id="37" name="Image 36"/>
           <p:cNvPicPr/>
           <p:nvPr/>
         </p:nvPicPr>
@@ -395,8 +510,8 @@
         </p:blipFill>
         <p:spPr>
           <a:xfrm>
-            <a:off x="885960" y="1863720"/>
-            <a:ext cx="5788800" cy="4618800"/>
+            <a:off x="822717" y="1863720"/>
+            <a:ext cx="5375575" cy="4618800"/>
           </a:xfrm>
           <a:prstGeom prst="rect">
             <a:avLst/>
@@ -408,20 +523,20 @@
       </p:pic>
       <p:pic>
         <p:nvPicPr>
-          <p:cNvPr id="38" name="" descr=""/>
+          <p:cNvPr id="38" name="Image 37"/>
           <p:cNvPicPr/>
           <p:nvPr/>
         </p:nvPicPr>
         <p:blipFill>
-          <a:blip r:embed="rId3"/>
+          <a:blip r:embed="rId2"/>
           <a:stretch>
             <a:fillRect/>
           </a:stretch>
         </p:blipFill>
         <p:spPr>
           <a:xfrm>
-            <a:off x="885960" y="1863720"/>
-            <a:ext cx="5788800" cy="4618800"/>
+            <a:off x="822717" y="1863720"/>
+            <a:ext cx="5375575" cy="4618800"/>
           </a:xfrm>
           <a:prstGeom prst="rect">
             <a:avLst/>
@@ -433,11 +548,14 @@
       </p:pic>
     </p:spTree>
   </p:cSld>
+  <p:clrMapOvr>
+    <a:masterClrMapping/>
+  </p:clrMapOvr>
 </p:sldLayout>
 </file>
 
 <file path=ppt/slideLayouts/slideLayout2.xml><?xml version="1.0" encoding="utf-8"?>
-<p:sldLayout xmlns:a="http://schemas.openxmlformats.org/drawingml/2006/main" xmlns:p="http://schemas.openxmlformats.org/presentationml/2006/main" xmlns:r="http://schemas.openxmlformats.org/officeDocument/2006/relationships" type="tx" preserve="1">
+<p:sldLayout xmlns:a="http://schemas.openxmlformats.org/drawingml/2006/main" xmlns:r="http://schemas.openxmlformats.org/officeDocument/2006/relationships" xmlns:p="http://schemas.openxmlformats.org/presentationml/2006/main" type="tx" preserve="1">
   <p:cSld name="Title Slide">
     <p:spTree>
       <p:nvGrpSpPr>
@@ -465,15 +583,16 @@
         </p:nvSpPr>
         <p:spPr>
           <a:xfrm>
-            <a:off x="567000" y="2474280"/>
-            <a:ext cx="6426720" cy="1707120"/>
-          </a:xfrm>
-          <a:prstGeom prst="rect">
-            <a:avLst/>
-          </a:prstGeom>
-        </p:spPr>
-        <p:txBody>
-          <a:bodyPr lIns="0" rIns="0" tIns="0" bIns="0" anchor="ctr"/>
+            <a:off x="526525" y="2474280"/>
+            <a:ext cx="5967958" cy="1707120"/>
+          </a:xfrm>
+          <a:prstGeom prst="rect">
+            <a:avLst/>
+          </a:prstGeom>
+        </p:spPr>
+        <p:txBody>
+          <a:bodyPr lIns="0" tIns="0" rIns="0" bIns="0" anchor="ctr"/>
+          <a:lstStyle/>
           <a:p>
             <a:endParaRPr/>
           </a:p>
@@ -491,15 +610,16 @@
         </p:nvSpPr>
         <p:spPr>
           <a:xfrm>
-            <a:off x="378000" y="1863720"/>
-            <a:ext cx="6804720" cy="4619160"/>
-          </a:xfrm>
-          <a:prstGeom prst="rect">
-            <a:avLst/>
-          </a:prstGeom>
-        </p:spPr>
-        <p:txBody>
-          <a:bodyPr lIns="0" rIns="0" tIns="0" bIns="0" anchor="ctr"/>
+            <a:off x="351017" y="1863720"/>
+            <a:ext cx="6318975" cy="4619160"/>
+          </a:xfrm>
+          <a:prstGeom prst="rect">
+            <a:avLst/>
+          </a:prstGeom>
+        </p:spPr>
+        <p:txBody>
+          <a:bodyPr lIns="0" tIns="0" rIns="0" bIns="0" anchor="ctr"/>
+          <a:lstStyle/>
           <a:p>
             <a:pPr algn="ctr"/>
             <a:endParaRPr/>
@@ -508,11 +628,14 @@
       </p:sp>
     </p:spTree>
   </p:cSld>
+  <p:clrMapOvr>
+    <a:masterClrMapping/>
+  </p:clrMapOvr>
 </p:sldLayout>
 </file>
 
 <file path=ppt/slideLayouts/slideLayout3.xml><?xml version="1.0" encoding="utf-8"?>
-<p:sldLayout xmlns:a="http://schemas.openxmlformats.org/drawingml/2006/main" xmlns:p="http://schemas.openxmlformats.org/presentationml/2006/main" xmlns:r="http://schemas.openxmlformats.org/officeDocument/2006/relationships" type="obj" preserve="1">
+<p:sldLayout xmlns:a="http://schemas.openxmlformats.org/drawingml/2006/main" xmlns:r="http://schemas.openxmlformats.org/officeDocument/2006/relationships" xmlns:p="http://schemas.openxmlformats.org/presentationml/2006/main" type="obj" preserve="1">
   <p:cSld name="Title, Content">
     <p:spTree>
       <p:nvGrpSpPr>
@@ -540,15 +663,16 @@
         </p:nvSpPr>
         <p:spPr>
           <a:xfrm>
-            <a:off x="567000" y="2474280"/>
-            <a:ext cx="6426720" cy="1707120"/>
-          </a:xfrm>
-          <a:prstGeom prst="rect">
-            <a:avLst/>
-          </a:prstGeom>
-        </p:spPr>
-        <p:txBody>
-          <a:bodyPr lIns="0" rIns="0" tIns="0" bIns="0" anchor="ctr"/>
+            <a:off x="526525" y="2474280"/>
+            <a:ext cx="5967958" cy="1707120"/>
+          </a:xfrm>
+          <a:prstGeom prst="rect">
+            <a:avLst/>
+          </a:prstGeom>
+        </p:spPr>
+        <p:txBody>
+          <a:bodyPr lIns="0" tIns="0" rIns="0" bIns="0" anchor="ctr"/>
+          <a:lstStyle/>
           <a:p>
             <a:endParaRPr/>
           </a:p>
@@ -566,15 +690,16 @@
         </p:nvSpPr>
         <p:spPr>
           <a:xfrm>
-            <a:off x="378000" y="1863720"/>
-            <a:ext cx="6804720" cy="4618800"/>
-          </a:xfrm>
-          <a:prstGeom prst="rect">
-            <a:avLst/>
-          </a:prstGeom>
-        </p:spPr>
-        <p:txBody>
-          <a:bodyPr lIns="0" rIns="0" tIns="0" bIns="0"/>
+            <a:off x="351017" y="1863720"/>
+            <a:ext cx="6318975" cy="4618800"/>
+          </a:xfrm>
+          <a:prstGeom prst="rect">
+            <a:avLst/>
+          </a:prstGeom>
+        </p:spPr>
+        <p:txBody>
+          <a:bodyPr lIns="0" tIns="0" rIns="0" bIns="0"/>
+          <a:lstStyle/>
           <a:p>
             <a:endParaRPr/>
           </a:p>
@@ -582,11 +707,14 @@
       </p:sp>
     </p:spTree>
   </p:cSld>
+  <p:clrMapOvr>
+    <a:masterClrMapping/>
+  </p:clrMapOvr>
 </p:sldLayout>
 </file>
 
 <file path=ppt/slideLayouts/slideLayout4.xml><?xml version="1.0" encoding="utf-8"?>
-<p:sldLayout xmlns:a="http://schemas.openxmlformats.org/drawingml/2006/main" xmlns:p="http://schemas.openxmlformats.org/presentationml/2006/main" xmlns:r="http://schemas.openxmlformats.org/officeDocument/2006/relationships" type="twoObj" preserve="1">
+<p:sldLayout xmlns:a="http://schemas.openxmlformats.org/drawingml/2006/main" xmlns:r="http://schemas.openxmlformats.org/officeDocument/2006/relationships" xmlns:p="http://schemas.openxmlformats.org/presentationml/2006/main" type="twoObj" preserve="1">
   <p:cSld name="Title, 2 Content">
     <p:spTree>
       <p:nvGrpSpPr>
@@ -614,15 +742,16 @@
         </p:nvSpPr>
         <p:spPr>
           <a:xfrm>
-            <a:off x="567000" y="2474280"/>
-            <a:ext cx="6426720" cy="1707120"/>
-          </a:xfrm>
-          <a:prstGeom prst="rect">
-            <a:avLst/>
-          </a:prstGeom>
-        </p:spPr>
-        <p:txBody>
-          <a:bodyPr lIns="0" rIns="0" tIns="0" bIns="0" anchor="ctr"/>
+            <a:off x="526525" y="2474280"/>
+            <a:ext cx="5967958" cy="1707120"/>
+          </a:xfrm>
+          <a:prstGeom prst="rect">
+            <a:avLst/>
+          </a:prstGeom>
+        </p:spPr>
+        <p:txBody>
+          <a:bodyPr lIns="0" tIns="0" rIns="0" bIns="0" anchor="ctr"/>
+          <a:lstStyle/>
           <a:p>
             <a:endParaRPr/>
           </a:p>
@@ -640,15 +769,16 @@
         </p:nvSpPr>
         <p:spPr>
           <a:xfrm>
-            <a:off x="378000" y="1863720"/>
-            <a:ext cx="3320640" cy="4618800"/>
-          </a:xfrm>
-          <a:prstGeom prst="rect">
-            <a:avLst/>
-          </a:prstGeom>
-        </p:spPr>
-        <p:txBody>
-          <a:bodyPr lIns="0" rIns="0" tIns="0" bIns="0"/>
+            <a:off x="351017" y="1863720"/>
+            <a:ext cx="3083601" cy="4618800"/>
+          </a:xfrm>
+          <a:prstGeom prst="rect">
+            <a:avLst/>
+          </a:prstGeom>
+        </p:spPr>
+        <p:txBody>
+          <a:bodyPr lIns="0" tIns="0" rIns="0" bIns="0"/>
+          <a:lstStyle/>
           <a:p>
             <a:endParaRPr/>
           </a:p>
@@ -666,15 +796,16 @@
         </p:nvSpPr>
         <p:spPr>
           <a:xfrm>
-            <a:off x="3864960" y="1863720"/>
-            <a:ext cx="3320640" cy="4618800"/>
-          </a:xfrm>
-          <a:prstGeom prst="rect">
-            <a:avLst/>
-          </a:prstGeom>
-        </p:spPr>
-        <p:txBody>
-          <a:bodyPr lIns="0" rIns="0" tIns="0" bIns="0"/>
+            <a:off x="3589065" y="1863720"/>
+            <a:ext cx="3083601" cy="4618800"/>
+          </a:xfrm>
+          <a:prstGeom prst="rect">
+            <a:avLst/>
+          </a:prstGeom>
+        </p:spPr>
+        <p:txBody>
+          <a:bodyPr lIns="0" tIns="0" rIns="0" bIns="0"/>
+          <a:lstStyle/>
           <a:p>
             <a:endParaRPr/>
           </a:p>
@@ -682,11 +813,14 @@
       </p:sp>
     </p:spTree>
   </p:cSld>
+  <p:clrMapOvr>
+    <a:masterClrMapping/>
+  </p:clrMapOvr>
 </p:sldLayout>
 </file>
 
 <file path=ppt/slideLayouts/slideLayout5.xml><?xml version="1.0" encoding="utf-8"?>
-<p:sldLayout xmlns:a="http://schemas.openxmlformats.org/drawingml/2006/main" xmlns:p="http://schemas.openxmlformats.org/presentationml/2006/main" xmlns:r="http://schemas.openxmlformats.org/officeDocument/2006/relationships" type="titleOnly" preserve="1">
+<p:sldLayout xmlns:a="http://schemas.openxmlformats.org/drawingml/2006/main" xmlns:r="http://schemas.openxmlformats.org/officeDocument/2006/relationships" xmlns:p="http://schemas.openxmlformats.org/presentationml/2006/main" type="titleOnly" preserve="1">
   <p:cSld name="Title Only">
     <p:spTree>
       <p:nvGrpSpPr>
@@ -714,15 +848,16 @@
         </p:nvSpPr>
         <p:spPr>
           <a:xfrm>
-            <a:off x="567000" y="2474280"/>
-            <a:ext cx="6426720" cy="1707120"/>
-          </a:xfrm>
-          <a:prstGeom prst="rect">
-            <a:avLst/>
-          </a:prstGeom>
-        </p:spPr>
-        <p:txBody>
-          <a:bodyPr lIns="0" rIns="0" tIns="0" bIns="0" anchor="ctr"/>
+            <a:off x="526525" y="2474280"/>
+            <a:ext cx="5967958" cy="1707120"/>
+          </a:xfrm>
+          <a:prstGeom prst="rect">
+            <a:avLst/>
+          </a:prstGeom>
+        </p:spPr>
+        <p:txBody>
+          <a:bodyPr lIns="0" tIns="0" rIns="0" bIns="0" anchor="ctr"/>
+          <a:lstStyle/>
           <a:p>
             <a:endParaRPr/>
           </a:p>
@@ -730,11 +865,14 @@
       </p:sp>
     </p:spTree>
   </p:cSld>
+  <p:clrMapOvr>
+    <a:masterClrMapping/>
+  </p:clrMapOvr>
 </p:sldLayout>
 </file>
 
 <file path=ppt/slideLayouts/slideLayout6.xml><?xml version="1.0" encoding="utf-8"?>
-<p:sldLayout xmlns:a="http://schemas.openxmlformats.org/drawingml/2006/main" xmlns:p="http://schemas.openxmlformats.org/presentationml/2006/main" xmlns:r="http://schemas.openxmlformats.org/officeDocument/2006/relationships" type="objOnly" preserve="1">
+<p:sldLayout xmlns:a="http://schemas.openxmlformats.org/drawingml/2006/main" xmlns:r="http://schemas.openxmlformats.org/officeDocument/2006/relationships" xmlns:p="http://schemas.openxmlformats.org/presentationml/2006/main" type="objOnly" preserve="1">
   <p:cSld name="Centered Text">
     <p:spTree>
       <p:nvGrpSpPr>
@@ -762,15 +900,16 @@
         </p:nvSpPr>
         <p:spPr>
           <a:xfrm>
-            <a:off x="567000" y="2474280"/>
-            <a:ext cx="6426720" cy="7913160"/>
-          </a:xfrm>
-          <a:prstGeom prst="rect">
-            <a:avLst/>
-          </a:prstGeom>
-        </p:spPr>
-        <p:txBody>
-          <a:bodyPr lIns="0" rIns="0" tIns="0" bIns="0" anchor="ctr"/>
+            <a:off x="526525" y="2474280"/>
+            <a:ext cx="5967958" cy="7913160"/>
+          </a:xfrm>
+          <a:prstGeom prst="rect">
+            <a:avLst/>
+          </a:prstGeom>
+        </p:spPr>
+        <p:txBody>
+          <a:bodyPr lIns="0" tIns="0" rIns="0" bIns="0" anchor="ctr"/>
+          <a:lstStyle/>
           <a:p>
             <a:pPr algn="ctr"/>
             <a:endParaRPr/>
@@ -779,11 +918,14 @@
       </p:sp>
     </p:spTree>
   </p:cSld>
+  <p:clrMapOvr>
+    <a:masterClrMapping/>
+  </p:clrMapOvr>
 </p:sldLayout>
 </file>
 
 <file path=ppt/slideLayouts/slideLayout7.xml><?xml version="1.0" encoding="utf-8"?>
-<p:sldLayout xmlns:a="http://schemas.openxmlformats.org/drawingml/2006/main" xmlns:p="http://schemas.openxmlformats.org/presentationml/2006/main" xmlns:r="http://schemas.openxmlformats.org/officeDocument/2006/relationships" type="twoObjAndObj" preserve="1">
+<p:sldLayout xmlns:a="http://schemas.openxmlformats.org/drawingml/2006/main" xmlns:r="http://schemas.openxmlformats.org/officeDocument/2006/relationships" xmlns:p="http://schemas.openxmlformats.org/presentationml/2006/main" type="twoObjAndObj" preserve="1">
   <p:cSld name="Title, 2 Content and Content">
     <p:spTree>
       <p:nvGrpSpPr>
@@ -811,15 +953,16 @@
         </p:nvSpPr>
         <p:spPr>
           <a:xfrm>
-            <a:off x="567000" y="2474280"/>
-            <a:ext cx="6426720" cy="1707120"/>
-          </a:xfrm>
-          <a:prstGeom prst="rect">
-            <a:avLst/>
-          </a:prstGeom>
-        </p:spPr>
-        <p:txBody>
-          <a:bodyPr lIns="0" rIns="0" tIns="0" bIns="0" anchor="ctr"/>
+            <a:off x="526525" y="2474280"/>
+            <a:ext cx="5967958" cy="1707120"/>
+          </a:xfrm>
+          <a:prstGeom prst="rect">
+            <a:avLst/>
+          </a:prstGeom>
+        </p:spPr>
+        <p:txBody>
+          <a:bodyPr lIns="0" tIns="0" rIns="0" bIns="0" anchor="ctr"/>
+          <a:lstStyle/>
           <a:p>
             <a:endParaRPr/>
           </a:p>
@@ -837,15 +980,16 @@
         </p:nvSpPr>
         <p:spPr>
           <a:xfrm>
-            <a:off x="378000" y="1863720"/>
-            <a:ext cx="3320640" cy="2202840"/>
-          </a:xfrm>
-          <a:prstGeom prst="rect">
-            <a:avLst/>
-          </a:prstGeom>
-        </p:spPr>
-        <p:txBody>
-          <a:bodyPr lIns="0" rIns="0" tIns="0" bIns="0"/>
+            <a:off x="351017" y="1863720"/>
+            <a:ext cx="3083601" cy="2202840"/>
+          </a:xfrm>
+          <a:prstGeom prst="rect">
+            <a:avLst/>
+          </a:prstGeom>
+        </p:spPr>
+        <p:txBody>
+          <a:bodyPr lIns="0" tIns="0" rIns="0" bIns="0"/>
+          <a:lstStyle/>
           <a:p>
             <a:endParaRPr/>
           </a:p>
@@ -863,15 +1007,16 @@
         </p:nvSpPr>
         <p:spPr>
           <a:xfrm>
-            <a:off x="378000" y="4276080"/>
-            <a:ext cx="3320640" cy="2202840"/>
-          </a:xfrm>
-          <a:prstGeom prst="rect">
-            <a:avLst/>
-          </a:prstGeom>
-        </p:spPr>
-        <p:txBody>
-          <a:bodyPr lIns="0" rIns="0" tIns="0" bIns="0"/>
+            <a:off x="351017" y="4276080"/>
+            <a:ext cx="3083601" cy="2202840"/>
+          </a:xfrm>
+          <a:prstGeom prst="rect">
+            <a:avLst/>
+          </a:prstGeom>
+        </p:spPr>
+        <p:txBody>
+          <a:bodyPr lIns="0" tIns="0" rIns="0" bIns="0"/>
+          <a:lstStyle/>
           <a:p>
             <a:endParaRPr/>
           </a:p>
@@ -889,15 +1034,16 @@
         </p:nvSpPr>
         <p:spPr>
           <a:xfrm>
-            <a:off x="3864960" y="1863720"/>
-            <a:ext cx="3320640" cy="4618800"/>
-          </a:xfrm>
-          <a:prstGeom prst="rect">
-            <a:avLst/>
-          </a:prstGeom>
-        </p:spPr>
-        <p:txBody>
-          <a:bodyPr lIns="0" rIns="0" tIns="0" bIns="0"/>
+            <a:off x="3589065" y="1863720"/>
+            <a:ext cx="3083601" cy="4618800"/>
+          </a:xfrm>
+          <a:prstGeom prst="rect">
+            <a:avLst/>
+          </a:prstGeom>
+        </p:spPr>
+        <p:txBody>
+          <a:bodyPr lIns="0" tIns="0" rIns="0" bIns="0"/>
+          <a:lstStyle/>
           <a:p>
             <a:endParaRPr/>
           </a:p>
@@ -905,11 +1051,14 @@
       </p:sp>
     </p:spTree>
   </p:cSld>
+  <p:clrMapOvr>
+    <a:masterClrMapping/>
+  </p:clrMapOvr>
 </p:sldLayout>
 </file>
 
 <file path=ppt/slideLayouts/slideLayout8.xml><?xml version="1.0" encoding="utf-8"?>
-<p:sldLayout xmlns:a="http://schemas.openxmlformats.org/drawingml/2006/main" xmlns:p="http://schemas.openxmlformats.org/presentationml/2006/main" xmlns:r="http://schemas.openxmlformats.org/officeDocument/2006/relationships" type="objAndTwoObj" preserve="1">
+<p:sldLayout xmlns:a="http://schemas.openxmlformats.org/drawingml/2006/main" xmlns:r="http://schemas.openxmlformats.org/officeDocument/2006/relationships" xmlns:p="http://schemas.openxmlformats.org/presentationml/2006/main" type="objAndTwoObj" preserve="1">
   <p:cSld name="Title Content and 2 Content">
     <p:spTree>
       <p:nvGrpSpPr>
@@ -937,15 +1086,16 @@
         </p:nvSpPr>
         <p:spPr>
           <a:xfrm>
-            <a:off x="567000" y="2474280"/>
-            <a:ext cx="6426720" cy="1707120"/>
-          </a:xfrm>
-          <a:prstGeom prst="rect">
-            <a:avLst/>
-          </a:prstGeom>
-        </p:spPr>
-        <p:txBody>
-          <a:bodyPr lIns="0" rIns="0" tIns="0" bIns="0" anchor="ctr"/>
+            <a:off x="526525" y="2474280"/>
+            <a:ext cx="5967958" cy="1707120"/>
+          </a:xfrm>
+          <a:prstGeom prst="rect">
+            <a:avLst/>
+          </a:prstGeom>
+        </p:spPr>
+        <p:txBody>
+          <a:bodyPr lIns="0" tIns="0" rIns="0" bIns="0" anchor="ctr"/>
+          <a:lstStyle/>
           <a:p>
             <a:endParaRPr/>
           </a:p>
@@ -963,15 +1113,16 @@
         </p:nvSpPr>
         <p:spPr>
           <a:xfrm>
-            <a:off x="378000" y="1863720"/>
-            <a:ext cx="3320640" cy="4618800"/>
-          </a:xfrm>
-          <a:prstGeom prst="rect">
-            <a:avLst/>
-          </a:prstGeom>
-        </p:spPr>
-        <p:txBody>
-          <a:bodyPr lIns="0" rIns="0" tIns="0" bIns="0"/>
+            <a:off x="351017" y="1863720"/>
+            <a:ext cx="3083601" cy="4618800"/>
+          </a:xfrm>
+          <a:prstGeom prst="rect">
+            <a:avLst/>
+          </a:prstGeom>
+        </p:spPr>
+        <p:txBody>
+          <a:bodyPr lIns="0" tIns="0" rIns="0" bIns="0"/>
+          <a:lstStyle/>
           <a:p>
             <a:endParaRPr/>
           </a:p>
@@ -989,15 +1140,16 @@
         </p:nvSpPr>
         <p:spPr>
           <a:xfrm>
-            <a:off x="3864960" y="1863720"/>
-            <a:ext cx="3320640" cy="2202840"/>
-          </a:xfrm>
-          <a:prstGeom prst="rect">
-            <a:avLst/>
-          </a:prstGeom>
-        </p:spPr>
-        <p:txBody>
-          <a:bodyPr lIns="0" rIns="0" tIns="0" bIns="0"/>
+            <a:off x="3589065" y="1863720"/>
+            <a:ext cx="3083601" cy="2202840"/>
+          </a:xfrm>
+          <a:prstGeom prst="rect">
+            <a:avLst/>
+          </a:prstGeom>
+        </p:spPr>
+        <p:txBody>
+          <a:bodyPr lIns="0" tIns="0" rIns="0" bIns="0"/>
+          <a:lstStyle/>
           <a:p>
             <a:endParaRPr/>
           </a:p>
@@ -1015,15 +1167,16 @@
         </p:nvSpPr>
         <p:spPr>
           <a:xfrm>
-            <a:off x="3864960" y="4276080"/>
-            <a:ext cx="3320640" cy="2202840"/>
-          </a:xfrm>
-          <a:prstGeom prst="rect">
-            <a:avLst/>
-          </a:prstGeom>
-        </p:spPr>
-        <p:txBody>
-          <a:bodyPr lIns="0" rIns="0" tIns="0" bIns="0"/>
+            <a:off x="3589065" y="4276080"/>
+            <a:ext cx="3083601" cy="2202840"/>
+          </a:xfrm>
+          <a:prstGeom prst="rect">
+            <a:avLst/>
+          </a:prstGeom>
+        </p:spPr>
+        <p:txBody>
+          <a:bodyPr lIns="0" tIns="0" rIns="0" bIns="0"/>
+          <a:lstStyle/>
           <a:p>
             <a:endParaRPr/>
           </a:p>
@@ -1031,11 +1184,14 @@
       </p:sp>
     </p:spTree>
   </p:cSld>
+  <p:clrMapOvr>
+    <a:masterClrMapping/>
+  </p:clrMapOvr>
 </p:sldLayout>
 </file>
 
 <file path=ppt/slideLayouts/slideLayout9.xml><?xml version="1.0" encoding="utf-8"?>
-<p:sldLayout xmlns:a="http://schemas.openxmlformats.org/drawingml/2006/main" xmlns:p="http://schemas.openxmlformats.org/presentationml/2006/main" xmlns:r="http://schemas.openxmlformats.org/officeDocument/2006/relationships" type="twoObjOverTx" preserve="1">
+<p:sldLayout xmlns:a="http://schemas.openxmlformats.org/drawingml/2006/main" xmlns:r="http://schemas.openxmlformats.org/officeDocument/2006/relationships" xmlns:p="http://schemas.openxmlformats.org/presentationml/2006/main" type="twoObjOverTx" preserve="1">
   <p:cSld name="Title, 2 Content over Content">
     <p:spTree>
       <p:nvGrpSpPr>
@@ -1063,15 +1219,16 @@
         </p:nvSpPr>
         <p:spPr>
           <a:xfrm>
-            <a:off x="567000" y="2474280"/>
-            <a:ext cx="6426720" cy="1707120"/>
-          </a:xfrm>
-          <a:prstGeom prst="rect">
-            <a:avLst/>
-          </a:prstGeom>
-        </p:spPr>
-        <p:txBody>
-          <a:bodyPr lIns="0" rIns="0" tIns="0" bIns="0" anchor="ctr"/>
+            <a:off x="526525" y="2474280"/>
+            <a:ext cx="5967958" cy="1707120"/>
+          </a:xfrm>
+          <a:prstGeom prst="rect">
+            <a:avLst/>
+          </a:prstGeom>
+        </p:spPr>
+        <p:txBody>
+          <a:bodyPr lIns="0" tIns="0" rIns="0" bIns="0" anchor="ctr"/>
+          <a:lstStyle/>
           <a:p>
             <a:endParaRPr/>
           </a:p>
@@ -1089,15 +1246,16 @@
         </p:nvSpPr>
         <p:spPr>
           <a:xfrm>
-            <a:off x="378000" y="1863720"/>
-            <a:ext cx="3320640" cy="2202840"/>
-          </a:xfrm>
-          <a:prstGeom prst="rect">
-            <a:avLst/>
-          </a:prstGeom>
-        </p:spPr>
-        <p:txBody>
-          <a:bodyPr lIns="0" rIns="0" tIns="0" bIns="0"/>
+            <a:off x="351017" y="1863720"/>
+            <a:ext cx="3083601" cy="2202840"/>
+          </a:xfrm>
+          <a:prstGeom prst="rect">
+            <a:avLst/>
+          </a:prstGeom>
+        </p:spPr>
+        <p:txBody>
+          <a:bodyPr lIns="0" tIns="0" rIns="0" bIns="0"/>
+          <a:lstStyle/>
           <a:p>
             <a:endParaRPr/>
           </a:p>
@@ -1115,15 +1273,16 @@
         </p:nvSpPr>
         <p:spPr>
           <a:xfrm>
-            <a:off x="3864960" y="1863720"/>
-            <a:ext cx="3320640" cy="2202840"/>
-          </a:xfrm>
-          <a:prstGeom prst="rect">
-            <a:avLst/>
-          </a:prstGeom>
-        </p:spPr>
-        <p:txBody>
-          <a:bodyPr lIns="0" rIns="0" tIns="0" bIns="0"/>
+            <a:off x="3589065" y="1863720"/>
+            <a:ext cx="3083601" cy="2202840"/>
+          </a:xfrm>
+          <a:prstGeom prst="rect">
+            <a:avLst/>
+          </a:prstGeom>
+        </p:spPr>
+        <p:txBody>
+          <a:bodyPr lIns="0" tIns="0" rIns="0" bIns="0"/>
+          <a:lstStyle/>
           <a:p>
             <a:endParaRPr/>
           </a:p>
@@ -1141,15 +1300,16 @@
         </p:nvSpPr>
         <p:spPr>
           <a:xfrm>
-            <a:off x="378000" y="4276080"/>
-            <a:ext cx="6804720" cy="2202840"/>
-          </a:xfrm>
-          <a:prstGeom prst="rect">
-            <a:avLst/>
-          </a:prstGeom>
-        </p:spPr>
-        <p:txBody>
-          <a:bodyPr lIns="0" rIns="0" tIns="0" bIns="0"/>
+            <a:off x="351017" y="4276080"/>
+            <a:ext cx="6318975" cy="2202840"/>
+          </a:xfrm>
+          <a:prstGeom prst="rect">
+            <a:avLst/>
+          </a:prstGeom>
+        </p:spPr>
+        <p:txBody>
+          <a:bodyPr lIns="0" tIns="0" rIns="0" bIns="0"/>
+          <a:lstStyle/>
           <a:p>
             <a:endParaRPr/>
           </a:p>
@@ -1157,17 +1317,21 @@
       </p:sp>
     </p:spTree>
   </p:cSld>
+  <p:clrMapOvr>
+    <a:masterClrMapping/>
+  </p:clrMapOvr>
 </p:sldLayout>
 </file>
 
 <file path=ppt/slideMasters/slideMaster1.xml><?xml version="1.0" encoding="utf-8"?>
-<p:sldMaster xmlns:a="http://schemas.openxmlformats.org/drawingml/2006/main" xmlns:p="http://schemas.openxmlformats.org/presentationml/2006/main" xmlns:r="http://schemas.openxmlformats.org/officeDocument/2006/relationships">
+<p:sldMaster xmlns:a="http://schemas.openxmlformats.org/drawingml/2006/main" xmlns:r="http://schemas.openxmlformats.org/officeDocument/2006/relationships" xmlns:p="http://schemas.openxmlformats.org/presentationml/2006/main">
   <p:cSld>
     <p:bg>
       <p:bgPr>
         <a:solidFill>
-          <a:srgbClr val="ffffff"/>
+          <a:srgbClr val="FFFFFF"/>
         </a:solidFill>
+        <a:effectLst/>
       </p:bgPr>
     </p:bg>
     <p:spTree>
@@ -1186,7 +1350,7 @@
       </p:grpSpPr>
       <p:sp>
         <p:nvSpPr>
-          <p:cNvPr id="0" name="PlaceHolder 1"/>
+          <p:cNvPr id="5" name="PlaceHolder 1"/>
           <p:cNvSpPr>
             <a:spLocks noGrp="1"/>
           </p:cNvSpPr>
@@ -1196,15 +1360,16 @@
         </p:nvSpPr>
         <p:spPr>
           <a:xfrm>
-            <a:off x="567000" y="2474280"/>
-            <a:ext cx="6426720" cy="1706760"/>
-          </a:xfrm>
-          <a:prstGeom prst="rect">
-            <a:avLst/>
-          </a:prstGeom>
-        </p:spPr>
-        <p:txBody>
-          <a:bodyPr lIns="87480" rIns="87480" tIns="43560" bIns="43560" anchor="ctr"/>
+            <a:off x="526525" y="2474280"/>
+            <a:ext cx="5967958" cy="1706760"/>
+          </a:xfrm>
+          <a:prstGeom prst="rect">
+            <a:avLst/>
+          </a:prstGeom>
+        </p:spPr>
+        <p:txBody>
+          <a:bodyPr lIns="87480" tIns="43560" rIns="87480" bIns="43560" anchor="ctr"/>
+          <a:lstStyle/>
           <a:p>
             <a:pPr algn="ctr">
               <a:lnSpc>
@@ -1226,7 +1391,7 @@
       </p:sp>
       <p:sp>
         <p:nvSpPr>
-          <p:cNvPr id="1" name="PlaceHolder 2"/>
+          <p:cNvPr id="6" name="PlaceHolder 2"/>
           <p:cNvSpPr>
             <a:spLocks noGrp="1"/>
           </p:cNvSpPr>
@@ -1236,15 +1401,16 @@
         </p:nvSpPr>
         <p:spPr>
           <a:xfrm>
-            <a:off x="378000" y="7381800"/>
-            <a:ext cx="1764000" cy="423720"/>
-          </a:xfrm>
-          <a:prstGeom prst="rect">
-            <a:avLst/>
-          </a:prstGeom>
-        </p:spPr>
-        <p:txBody>
-          <a:bodyPr lIns="87480" rIns="87480" tIns="43560" bIns="43560" anchor="ctr"/>
+            <a:off x="351017" y="7381800"/>
+            <a:ext cx="1638079" cy="423720"/>
+          </a:xfrm>
+          <a:prstGeom prst="rect">
+            <a:avLst/>
+          </a:prstGeom>
+        </p:spPr>
+        <p:txBody>
+          <a:bodyPr lIns="87480" tIns="43560" rIns="87480" bIns="43560" anchor="ctr"/>
+          <a:lstStyle/>
           <a:p>
             <a:pPr>
               <a:lnSpc>
@@ -1254,7 +1420,7 @@
             <a:r>
               <a:rPr lang="en-US" sz="1100">
                 <a:solidFill>
-                  <a:srgbClr val="8b8b8b"/>
+                  <a:srgbClr val="8B8B8B"/>
                 </a:solidFill>
                 <a:latin typeface="Calibri"/>
               </a:rPr>
@@ -1276,15 +1442,16 @@
         </p:nvSpPr>
         <p:spPr>
           <a:xfrm>
-            <a:off x="2583360" y="7381800"/>
-            <a:ext cx="2394000" cy="423720"/>
-          </a:xfrm>
-          <a:prstGeom prst="rect">
-            <a:avLst/>
-          </a:prstGeom>
-        </p:spPr>
-        <p:txBody>
-          <a:bodyPr lIns="87480" rIns="87480" tIns="43560" bIns="43560" anchor="ctr"/>
+            <a:off x="2398950" y="7381800"/>
+            <a:ext cx="2223108" cy="423720"/>
+          </a:xfrm>
+          <a:prstGeom prst="rect">
+            <a:avLst/>
+          </a:prstGeom>
+        </p:spPr>
+        <p:txBody>
+          <a:bodyPr lIns="87480" tIns="43560" rIns="87480" bIns="43560" anchor="ctr"/>
+          <a:lstStyle/>
           <a:p>
             <a:endParaRPr/>
           </a:p>
@@ -1302,15 +1469,16 @@
         </p:nvSpPr>
         <p:spPr>
           <a:xfrm>
-            <a:off x="5419080" y="7381800"/>
-            <a:ext cx="1764000" cy="423720"/>
-          </a:xfrm>
-          <a:prstGeom prst="rect">
-            <a:avLst/>
-          </a:prstGeom>
-        </p:spPr>
-        <p:txBody>
-          <a:bodyPr lIns="87480" rIns="87480" tIns="43560" bIns="43560" anchor="ctr"/>
+            <a:off x="5032247" y="7381800"/>
+            <a:ext cx="1638079" cy="423720"/>
+          </a:xfrm>
+          <a:prstGeom prst="rect">
+            <a:avLst/>
+          </a:prstGeom>
+        </p:spPr>
+        <p:txBody>
+          <a:bodyPr lIns="87480" tIns="43560" rIns="87480" bIns="43560" anchor="ctr"/>
+          <a:lstStyle/>
           <a:p>
             <a:pPr algn="r">
               <a:lnSpc>
@@ -1320,11 +1488,11 @@
             <a:fld id="{49A022F4-2B5A-4A1D-9EBB-5E50A4776D8C}" type="slidenum">
               <a:rPr lang="en-US" sz="1100">
                 <a:solidFill>
-                  <a:srgbClr val="8b8b8b"/>
+                  <a:srgbClr val="8B8B8B"/>
                 </a:solidFill>
                 <a:latin typeface="Calibri"/>
               </a:rPr>
-              <a:t>&lt;number&gt;</a:t>
+              <a:t>‹N°›</a:t>
             </a:fld>
             <a:endParaRPr/>
           </a:p>
@@ -1342,15 +1510,16 @@
         </p:nvSpPr>
         <p:spPr>
           <a:xfrm>
-            <a:off x="378000" y="1863720"/>
-            <a:ext cx="6804720" cy="4618800"/>
-          </a:xfrm>
-          <a:prstGeom prst="rect">
-            <a:avLst/>
-          </a:prstGeom>
-        </p:spPr>
-        <p:txBody>
-          <a:bodyPr lIns="0" rIns="0" tIns="0" bIns="0"/>
+            <a:off x="351017" y="1863720"/>
+            <a:ext cx="6318975" cy="4618800"/>
+          </a:xfrm>
+          <a:prstGeom prst="rect">
+            <a:avLst/>
+          </a:prstGeom>
+        </p:spPr>
+        <p:txBody>
+          <a:bodyPr lIns="0" tIns="0" rIns="0" bIns="0"/>
+          <a:lstStyle/>
           <a:p>
             <a:pPr>
               <a:buSzPct val="45000"/>
@@ -1453,26 +1622,31 @@
       </p:sp>
     </p:spTree>
   </p:cSld>
-  <p:clrMap bg1="lt1" bg2="lt2" tx1="dk1" tx2="dk2" accent1="accent1" accent2="accent2" accent3="accent3" accent4="accent4" accent5="accent5" accent6="accent6" hlink="hlink" folHlink="folHlink"/>
+  <p:clrMap bg1="lt1" tx1="dk1" bg2="lt2" tx2="dk2" accent1="accent1" accent2="accent2" accent3="accent3" accent4="accent4" accent5="accent5" accent6="accent6" hlink="hlink" folHlink="folHlink"/>
   <p:sldLayoutIdLst>
-    <p:sldLayoutId id="2147483649" r:id="rId2"/>
-    <p:sldLayoutId id="2147483650" r:id="rId3"/>
-    <p:sldLayoutId id="2147483651" r:id="rId4"/>
-    <p:sldLayoutId id="2147483652" r:id="rId5"/>
-    <p:sldLayoutId id="2147483653" r:id="rId6"/>
-    <p:sldLayoutId id="2147483654" r:id="rId7"/>
-    <p:sldLayoutId id="2147483655" r:id="rId8"/>
-    <p:sldLayoutId id="2147483656" r:id="rId9"/>
-    <p:sldLayoutId id="2147483657" r:id="rId10"/>
-    <p:sldLayoutId id="2147483658" r:id="rId11"/>
-    <p:sldLayoutId id="2147483659" r:id="rId12"/>
-    <p:sldLayoutId id="2147483660" r:id="rId13"/>
+    <p:sldLayoutId id="2147483649" r:id="rId1"/>
+    <p:sldLayoutId id="2147483650" r:id="rId2"/>
+    <p:sldLayoutId id="2147483651" r:id="rId3"/>
+    <p:sldLayoutId id="2147483652" r:id="rId4"/>
+    <p:sldLayoutId id="2147483653" r:id="rId5"/>
+    <p:sldLayoutId id="2147483654" r:id="rId6"/>
+    <p:sldLayoutId id="2147483655" r:id="rId7"/>
+    <p:sldLayoutId id="2147483656" r:id="rId8"/>
+    <p:sldLayoutId id="2147483657" r:id="rId9"/>
+    <p:sldLayoutId id="2147483658" r:id="rId10"/>
+    <p:sldLayoutId id="2147483659" r:id="rId11"/>
+    <p:sldLayoutId id="2147483660" r:id="rId12"/>
   </p:sldLayoutIdLst>
+  <p:txStyles>
+    <p:titleStyle/>
+    <p:bodyStyle/>
+    <p:otherStyle/>
+  </p:txStyles>
 </p:sldMaster>
 </file>
 
 <file path=ppt/slides/slide1.xml><?xml version="1.0" encoding="utf-8"?>
-<p:sld xmlns:a="http://schemas.openxmlformats.org/drawingml/2006/main" xmlns:p="http://schemas.openxmlformats.org/presentationml/2006/main" xmlns:r="http://schemas.openxmlformats.org/officeDocument/2006/relationships">
+<p:sld xmlns:a="http://schemas.openxmlformats.org/drawingml/2006/main" xmlns:r="http://schemas.openxmlformats.org/officeDocument/2006/relationships" xmlns:p="http://schemas.openxmlformats.org/presentationml/2006/main">
   <p:cSld>
     <p:spTree>
       <p:nvGrpSpPr>
@@ -1488,40 +1662,103 @@
           <a:chExt cx="0" cy="0"/>
         </a:xfrm>
       </p:grpSpPr>
-      <p:pic>
-        <p:nvPicPr>
-          <p:cNvPr id="39" name="Picture 3" descr=""/>
-          <p:cNvPicPr/>
+      <p:grpSp>
+        <p:nvGrpSpPr>
+          <p:cNvPr id="2" name="Groupe 1"/>
+          <p:cNvGrpSpPr/>
           <p:nvPr/>
-        </p:nvPicPr>
-        <p:blipFill>
-          <a:blip r:embed="rId1"/>
-          <a:stretch>
-            <a:fillRect/>
-          </a:stretch>
-        </p:blipFill>
-        <p:spPr>
-          <a:xfrm>
-            <a:off x="-65160" y="1440"/>
+        </p:nvGrpSpPr>
+        <p:grpSpPr>
+          <a:xfrm>
+            <a:off x="-323825" y="1440"/>
             <a:ext cx="7692840" cy="7961040"/>
-          </a:xfrm>
-          <a:prstGeom prst="rect">
-            <a:avLst/>
-          </a:prstGeom>
-          <a:ln>
-            <a:noFill/>
-          </a:ln>
-        </p:spPr>
-      </p:pic>
-      <p:sp>
-        <p:nvSpPr>
-          <p:cNvPr id="40" name="TextShape 1"/>
+            <a:chOff x="-323825" y="1440"/>
+            <a:chExt cx="7692840" cy="7961040"/>
+          </a:xfrm>
+        </p:grpSpPr>
+        <p:pic>
+          <p:nvPicPr>
+            <p:cNvPr id="7" name="Picture 3"/>
+            <p:cNvPicPr/>
+            <p:nvPr/>
+          </p:nvPicPr>
+          <p:blipFill>
+            <a:blip r:embed="rId2"/>
+            <a:stretch>
+              <a:fillRect/>
+            </a:stretch>
+          </p:blipFill>
+          <p:spPr>
+            <a:xfrm>
+              <a:off x="-323825" y="1440"/>
+              <a:ext cx="7692840" cy="7961040"/>
+            </a:xfrm>
+            <a:prstGeom prst="rect">
+              <a:avLst/>
+            </a:prstGeom>
+            <a:ln>
+              <a:noFill/>
+            </a:ln>
+          </p:spPr>
+        </p:pic>
+        <p:sp>
+          <p:nvSpPr>
+            <p:cNvPr id="8" name="CustomShape 3"/>
+            <p:cNvSpPr/>
+            <p:nvPr/>
+          </p:nvSpPr>
+          <p:spPr>
+            <a:xfrm>
+              <a:off x="-75785" y="182880"/>
+              <a:ext cx="365760" cy="274320"/>
+            </a:xfrm>
+            <a:prstGeom prst="rect">
+              <a:avLst/>
+            </a:prstGeom>
+            <a:solidFill>
+              <a:srgbClr val="FFFFFF"/>
+            </a:solidFill>
+            <a:ln>
+              <a:solidFill>
+                <a:srgbClr val="FFFFFF"/>
+              </a:solidFill>
+            </a:ln>
+          </p:spPr>
+        </p:sp>
+        <p:sp>
+          <p:nvSpPr>
+            <p:cNvPr id="9" name="CustomShape 4"/>
+            <p:cNvSpPr/>
+            <p:nvPr/>
+          </p:nvSpPr>
+          <p:spPr>
+            <a:xfrm>
+              <a:off x="4221895" y="182880"/>
+              <a:ext cx="274320" cy="274320"/>
+            </a:xfrm>
+            <a:prstGeom prst="rect">
+              <a:avLst/>
+            </a:prstGeom>
+            <a:solidFill>
+              <a:srgbClr val="FFFFFF"/>
+            </a:solidFill>
+            <a:ln>
+              <a:solidFill>
+                <a:srgbClr val="FFFFFF"/>
+              </a:solidFill>
+            </a:ln>
+          </p:spPr>
+        </p:sp>
+      </p:grpSp>
+      <p:sp>
+        <p:nvSpPr>
+          <p:cNvPr id="10" name="TextShape 1"/>
           <p:cNvSpPr txBox="1"/>
           <p:nvPr/>
         </p:nvSpPr>
         <p:spPr>
           <a:xfrm>
-            <a:off x="883440" y="289440"/>
+            <a:off x="20998" y="-46800"/>
             <a:ext cx="548640" cy="430200"/>
           </a:xfrm>
           <a:prstGeom prst="rect">
@@ -1529,30 +1766,28 @@
           </a:prstGeom>
         </p:spPr>
         <p:txBody>
-          <a:bodyPr lIns="90000" rIns="90000" tIns="45000" bIns="45000"/>
+          <a:bodyPr lIns="90000" tIns="45000" rIns="90000" bIns="45000"/>
+          <a:lstStyle/>
           <a:p>
             <a:r>
-              <a:rPr lang="en-US" sz="2400">
-                <a:solidFill>
-                  <a:srgbClr val="ffffff"/>
-                </a:solidFill>
+              <a:rPr lang="en-US" sz="2400" dirty="0">
                 <a:latin typeface="Times new roman"/>
               </a:rPr>
               <a:t>(a)</a:t>
             </a:r>
-            <a:endParaRPr/>
-          </a:p>
-        </p:txBody>
-      </p:sp>
-      <p:sp>
-        <p:nvSpPr>
-          <p:cNvPr id="41" name="TextShape 2"/>
+            <a:endParaRPr dirty="0"/>
+          </a:p>
+        </p:txBody>
+      </p:sp>
+      <p:sp>
+        <p:nvSpPr>
+          <p:cNvPr id="11" name="TextShape 2"/>
           <p:cNvSpPr txBox="1"/>
           <p:nvPr/>
         </p:nvSpPr>
         <p:spPr>
           <a:xfrm>
-            <a:off x="4879440" y="289800"/>
+            <a:off x="4170038" y="-48356"/>
             <a:ext cx="548640" cy="430200"/>
           </a:xfrm>
           <a:prstGeom prst="rect">
@@ -1560,68 +1795,24 @@
           </a:prstGeom>
         </p:spPr>
         <p:txBody>
-          <a:bodyPr lIns="90000" rIns="90000" tIns="45000" bIns="45000"/>
+          <a:bodyPr lIns="90000" tIns="45000" rIns="90000" bIns="45000"/>
+          <a:lstStyle/>
           <a:p>
             <a:r>
-              <a:rPr lang="en-US" sz="2400">
+              <a:rPr lang="en-US" sz="2400" dirty="0">
                 <a:latin typeface="Times new roman"/>
               </a:rPr>
               <a:t>(b)</a:t>
             </a:r>
-            <a:endParaRPr/>
-          </a:p>
-        </p:txBody>
-      </p:sp>
-      <p:sp>
-        <p:nvSpPr>
-          <p:cNvPr id="42" name="CustomShape 3"/>
-          <p:cNvSpPr/>
-          <p:nvPr/>
-        </p:nvSpPr>
-        <p:spPr>
-          <a:xfrm>
-            <a:off x="182880" y="182880"/>
-            <a:ext cx="365760" cy="274320"/>
-          </a:xfrm>
-          <a:prstGeom prst="rect">
-            <a:avLst/>
-          </a:prstGeom>
-          <a:solidFill>
-            <a:srgbClr val="ffffff"/>
-          </a:solidFill>
-          <a:ln>
-            <a:solidFill>
-              <a:srgbClr val="ffffff"/>
-            </a:solidFill>
-          </a:ln>
-        </p:spPr>
-      </p:sp>
-      <p:sp>
-        <p:nvSpPr>
-          <p:cNvPr id="43" name="CustomShape 4"/>
-          <p:cNvSpPr/>
-          <p:nvPr/>
-        </p:nvSpPr>
-        <p:spPr>
-          <a:xfrm>
-            <a:off x="4480560" y="182880"/>
-            <a:ext cx="274320" cy="274320"/>
-          </a:xfrm>
-          <a:prstGeom prst="rect">
-            <a:avLst/>
-          </a:prstGeom>
-          <a:solidFill>
-            <a:srgbClr val="ffffff"/>
-          </a:solidFill>
-          <a:ln>
-            <a:solidFill>
-              <a:srgbClr val="ffffff"/>
-            </a:solidFill>
-          </a:ln>
-        </p:spPr>
+            <a:endParaRPr dirty="0"/>
+          </a:p>
+        </p:txBody>
       </p:sp>
     </p:spTree>
   </p:cSld>
+  <p:clrMapOvr>
+    <a:masterClrMapping/>
+  </p:clrMapOvr>
   <p:timing>
     <p:tnLst>
       <p:par>
@@ -1630,14 +1821,14 @@
             <p:seq>
               <p:cTn id="2" nodeType="mainSeq"/>
               <p:prevCondLst>
-                <p:cond delay="0" evt="onPrev">
+                <p:cond evt="onPrev" delay="0">
                   <p:tgtEl>
                     <p:sldTgt/>
                   </p:tgtEl>
                 </p:cond>
               </p:prevCondLst>
               <p:nextCondLst>
-                <p:cond delay="0" evt="onNext">
+                <p:cond evt="onNext" delay="0">
                   <p:tgtEl>
                     <p:sldTgt/>
                   </p:tgtEl>
@@ -1872,5 +2063,7 @@
       </a:bgFillStyleLst>
     </a:fmtScheme>
   </a:themeElements>
+  <a:objectDefaults/>
+  <a:extraClrSchemeLst/>
 </a:theme>
 </file>